--- a/Sympy/slides/Superficies Parametrizadas.pptx
+++ b/Sympy/slides/Superficies Parametrizadas.pptx
@@ -5,10 +5,10 @@
     <p:sldMasterId id="2147483648" r:id="rId1"/>
   </p:sldMasterIdLst>
   <p:notesMasterIdLst>
-    <p:notesMasterId r:id="rId11"/>
+    <p:notesMasterId r:id="rId18"/>
   </p:notesMasterIdLst>
   <p:handoutMasterIdLst>
-    <p:handoutMasterId r:id="rId12"/>
+    <p:handoutMasterId r:id="rId19"/>
   </p:handoutMasterIdLst>
   <p:sldIdLst>
     <p:sldId id="256" r:id="rId3"/>
@@ -19,6 +19,13 @@
     <p:sldId id="261" r:id="rId8"/>
     <p:sldId id="262" r:id="rId9"/>
     <p:sldId id="263" r:id="rId10"/>
+    <p:sldId id="266" r:id="rId11"/>
+    <p:sldId id="265" r:id="rId12"/>
+    <p:sldId id="268" r:id="rId13"/>
+    <p:sldId id="269" r:id="rId14"/>
+    <p:sldId id="270" r:id="rId15"/>
+    <p:sldId id="271" r:id="rId16"/>
+    <p:sldId id="272" r:id="rId17"/>
   </p:sldIdLst>
   <p:sldSz cx="12192000" cy="6858000"/>
   <p:notesSz cx="7103745" cy="10234295"/>
@@ -3615,6 +3622,418 @@
 </p:sld>
 </file>
 
+<file path=ppt/slides/slide10.xml><?xml version="1.0" encoding="utf-8"?>
+<p:sld xmlns:a="http://schemas.openxmlformats.org/drawingml/2006/main" xmlns:r="http://schemas.openxmlformats.org/officeDocument/2006/relationships" xmlns:p="http://schemas.openxmlformats.org/presentationml/2006/main">
+  <p:cSld>
+    <p:spTree>
+      <p:nvGrpSpPr>
+        <p:cNvPr id="1" name=""/>
+        <p:cNvGrpSpPr/>
+        <p:nvPr/>
+      </p:nvGrpSpPr>
+      <p:grpSpPr/>
+      <p:sp>
+        <p:nvSpPr>
+          <p:cNvPr id="2" name="Title 1"/>
+          <p:cNvSpPr>
+            <a:spLocks noGrp="true"/>
+          </p:cNvSpPr>
+          <p:nvPr>
+            <p:ph type="title"/>
+          </p:nvPr>
+        </p:nvSpPr>
+        <p:spPr/>
+        <p:txBody>
+          <a:bodyPr/>
+          <a:p>
+            <a:r>
+              <a:rPr lang="pt-PT" altLang="en-US" sz="3200" u="sng">
+                <a:effectLst/>
+              </a:rPr>
+              <a:t>Area de superficie</a:t>
+            </a:r>
+            <a:endParaRPr lang="pt-PT" altLang="en-US" sz="3200" u="sng">
+              <a:effectLst/>
+            </a:endParaRPr>
+          </a:p>
+        </p:txBody>
+      </p:sp>
+      <p:pic>
+        <p:nvPicPr>
+          <p:cNvPr id="4" name="Content Placeholder 3" descr="uv"/>
+          <p:cNvPicPr>
+            <a:picLocks noChangeAspect="true"/>
+          </p:cNvPicPr>
+          <p:nvPr>
+            <p:ph idx="1"/>
+          </p:nvPr>
+        </p:nvPicPr>
+        <p:blipFill>
+          <a:blip r:embed="rId1"/>
+          <a:stretch>
+            <a:fillRect/>
+          </a:stretch>
+        </p:blipFill>
+        <p:spPr>
+          <a:xfrm>
+            <a:off x="52070" y="3989705"/>
+            <a:ext cx="7890510" cy="2843530"/>
+          </a:xfrm>
+          <a:prstGeom prst="rect">
+            <a:avLst/>
+          </a:prstGeom>
+        </p:spPr>
+      </p:pic>
+      <p:pic>
+        <p:nvPicPr>
+          <p:cNvPr id="5" name="Picture 4" descr="area2"/>
+          <p:cNvPicPr>
+            <a:picLocks noChangeAspect="true"/>
+          </p:cNvPicPr>
+          <p:nvPr/>
+        </p:nvPicPr>
+        <p:blipFill>
+          <a:blip r:embed="rId2"/>
+          <a:stretch>
+            <a:fillRect/>
+          </a:stretch>
+        </p:blipFill>
+        <p:spPr>
+          <a:xfrm>
+            <a:off x="9105900" y="2347595"/>
+            <a:ext cx="3049905" cy="4485640"/>
+          </a:xfrm>
+          <a:prstGeom prst="rect">
+            <a:avLst/>
+          </a:prstGeom>
+        </p:spPr>
+      </p:pic>
+    </p:spTree>
+  </p:cSld>
+  <p:clrMapOvr>
+    <a:masterClrMapping/>
+  </p:clrMapOvr>
+</p:sld>
+</file>
+
+<file path=ppt/slides/slide11.xml><?xml version="1.0" encoding="utf-8"?>
+<p:sld xmlns:a="http://schemas.openxmlformats.org/drawingml/2006/main" xmlns:r="http://schemas.openxmlformats.org/officeDocument/2006/relationships" xmlns:p="http://schemas.openxmlformats.org/presentationml/2006/main">
+  <p:cSld>
+    <p:spTree>
+      <p:nvGrpSpPr>
+        <p:cNvPr id="1" name=""/>
+        <p:cNvGrpSpPr/>
+        <p:nvPr/>
+      </p:nvGrpSpPr>
+      <p:grpSpPr/>
+      <p:sp>
+        <p:nvSpPr>
+          <p:cNvPr id="2" name="Title 1"/>
+          <p:cNvSpPr>
+            <a:spLocks noGrp="true"/>
+          </p:cNvSpPr>
+          <p:nvPr>
+            <p:ph type="title"/>
+          </p:nvPr>
+        </p:nvSpPr>
+        <p:spPr/>
+        <p:txBody>
+          <a:bodyPr/>
+          <a:p>
+            <a:r>
+              <a:rPr lang="pt-PT" altLang="en-US" sz="3200" u="sng">
+                <a:effectLst/>
+              </a:rPr>
+              <a:t>Area de superficie - 2</a:t>
+            </a:r>
+            <a:endParaRPr lang="pt-PT" altLang="en-US" sz="3200" u="sng">
+              <a:effectLst/>
+            </a:endParaRPr>
+          </a:p>
+        </p:txBody>
+      </p:sp>
+      <p:pic>
+        <p:nvPicPr>
+          <p:cNvPr id="4" name="Content Placeholder 3" descr="area"/>
+          <p:cNvPicPr>
+            <a:picLocks noChangeAspect="true"/>
+          </p:cNvPicPr>
+          <p:nvPr>
+            <p:ph idx="1"/>
+          </p:nvPr>
+        </p:nvPicPr>
+        <p:blipFill>
+          <a:blip r:embed="rId1"/>
+          <a:stretch>
+            <a:fillRect/>
+          </a:stretch>
+        </p:blipFill>
+        <p:spPr>
+          <a:xfrm>
+            <a:off x="1098550" y="1791970"/>
+            <a:ext cx="10223500" cy="3820160"/>
+          </a:xfrm>
+          <a:prstGeom prst="rect">
+            <a:avLst/>
+          </a:prstGeom>
+        </p:spPr>
+      </p:pic>
+    </p:spTree>
+  </p:cSld>
+  <p:clrMapOvr>
+    <a:masterClrMapping/>
+  </p:clrMapOvr>
+</p:sld>
+</file>
+
+<file path=ppt/slides/slide12.xml><?xml version="1.0" encoding="utf-8"?>
+<p:sld xmlns:a="http://schemas.openxmlformats.org/drawingml/2006/main" xmlns:r="http://schemas.openxmlformats.org/officeDocument/2006/relationships" xmlns:p="http://schemas.openxmlformats.org/presentationml/2006/main">
+  <p:cSld>
+    <p:spTree>
+      <p:nvGrpSpPr>
+        <p:cNvPr id="1" name=""/>
+        <p:cNvGrpSpPr/>
+        <p:nvPr/>
+      </p:nvGrpSpPr>
+      <p:grpSpPr/>
+      <p:sp>
+        <p:nvSpPr>
+          <p:cNvPr id="2" name="Title 1"/>
+          <p:cNvSpPr>
+            <a:spLocks noGrp="true"/>
+          </p:cNvSpPr>
+          <p:nvPr>
+            <p:ph type="title"/>
+          </p:nvPr>
+        </p:nvSpPr>
+        <p:spPr/>
+        <p:txBody>
+          <a:bodyPr/>
+          <a:p>
+            <a:r>
+              <a:rPr lang="pt-PT" altLang="en-US" sz="3200" u="sng">
+                <a:effectLst/>
+              </a:rPr>
+              <a:t>Exemplo</a:t>
+            </a:r>
+            <a:endParaRPr lang="pt-PT" altLang="en-US" sz="3200" u="sng">
+              <a:effectLst/>
+            </a:endParaRPr>
+          </a:p>
+        </p:txBody>
+      </p:sp>
+      <p:pic>
+        <p:nvPicPr>
+          <p:cNvPr id="4" name="Content Placeholder 3" descr="area_ex"/>
+          <p:cNvPicPr>
+            <a:picLocks noChangeAspect="true"/>
+          </p:cNvPicPr>
+          <p:nvPr>
+            <p:ph idx="1"/>
+          </p:nvPr>
+        </p:nvPicPr>
+        <p:blipFill>
+          <a:blip r:embed="rId1"/>
+          <a:stretch>
+            <a:fillRect/>
+          </a:stretch>
+        </p:blipFill>
+        <p:spPr>
+          <a:xfrm>
+            <a:off x="647700" y="1272540"/>
+            <a:ext cx="8162290" cy="692150"/>
+          </a:xfrm>
+          <a:prstGeom prst="rect">
+            <a:avLst/>
+          </a:prstGeom>
+        </p:spPr>
+      </p:pic>
+    </p:spTree>
+  </p:cSld>
+  <p:clrMapOvr>
+    <a:masterClrMapping/>
+  </p:clrMapOvr>
+</p:sld>
+</file>
+
+<file path=ppt/slides/slide13.xml><?xml version="1.0" encoding="utf-8"?>
+<p:sld xmlns:a="http://schemas.openxmlformats.org/drawingml/2006/main" xmlns:r="http://schemas.openxmlformats.org/officeDocument/2006/relationships" xmlns:p="http://schemas.openxmlformats.org/presentationml/2006/main">
+  <p:cSld>
+    <p:spTree>
+      <p:nvGrpSpPr>
+        <p:cNvPr id="1" name=""/>
+        <p:cNvGrpSpPr/>
+        <p:nvPr/>
+      </p:nvGrpSpPr>
+      <p:grpSpPr/>
+      <p:sp>
+        <p:nvSpPr>
+          <p:cNvPr id="2" name="Title 1"/>
+          <p:cNvSpPr>
+            <a:spLocks noGrp="true"/>
+          </p:cNvSpPr>
+          <p:nvPr>
+            <p:ph type="title"/>
+          </p:nvPr>
+        </p:nvSpPr>
+        <p:spPr/>
+        <p:txBody>
+          <a:bodyPr/>
+          <a:p>
+            <a:endParaRPr lang="en-US"/>
+          </a:p>
+        </p:txBody>
+      </p:sp>
+      <p:sp>
+        <p:nvSpPr>
+          <p:cNvPr id="3" name="Content Placeholder 2"/>
+          <p:cNvSpPr>
+            <a:spLocks noGrp="true"/>
+          </p:cNvSpPr>
+          <p:nvPr>
+            <p:ph idx="1"/>
+          </p:nvPr>
+        </p:nvSpPr>
+        <p:spPr/>
+        <p:txBody>
+          <a:bodyPr/>
+          <a:p>
+            <a:endParaRPr lang="en-US"/>
+          </a:p>
+        </p:txBody>
+      </p:sp>
+    </p:spTree>
+  </p:cSld>
+  <p:clrMapOvr>
+    <a:masterClrMapping/>
+  </p:clrMapOvr>
+</p:sld>
+</file>
+
+<file path=ppt/slides/slide14.xml><?xml version="1.0" encoding="utf-8"?>
+<p:sld xmlns:a="http://schemas.openxmlformats.org/drawingml/2006/main" xmlns:r="http://schemas.openxmlformats.org/officeDocument/2006/relationships" xmlns:p="http://schemas.openxmlformats.org/presentationml/2006/main">
+  <p:cSld>
+    <p:spTree>
+      <p:nvGrpSpPr>
+        <p:cNvPr id="1" name=""/>
+        <p:cNvGrpSpPr/>
+        <p:nvPr/>
+      </p:nvGrpSpPr>
+      <p:grpSpPr/>
+      <p:sp>
+        <p:nvSpPr>
+          <p:cNvPr id="2" name="Title 1"/>
+          <p:cNvSpPr>
+            <a:spLocks noGrp="true"/>
+          </p:cNvSpPr>
+          <p:nvPr>
+            <p:ph type="title"/>
+          </p:nvPr>
+        </p:nvSpPr>
+        <p:spPr/>
+        <p:txBody>
+          <a:bodyPr/>
+          <a:p>
+            <a:r>
+              <a:rPr lang="pt-PT" altLang="en-US" sz="3200" u="sng">
+                <a:effectLst/>
+              </a:rPr>
+              <a:t>Exemplo</a:t>
+            </a:r>
+            <a:endParaRPr lang="pt-PT" altLang="en-US" sz="3200" u="sng">
+              <a:effectLst/>
+            </a:endParaRPr>
+          </a:p>
+        </p:txBody>
+      </p:sp>
+      <p:pic>
+        <p:nvPicPr>
+          <p:cNvPr id="6" name="Content Placeholder 5" descr="area_ex2"/>
+          <p:cNvPicPr>
+            <a:picLocks noChangeAspect="true"/>
+          </p:cNvPicPr>
+          <p:nvPr>
+            <p:ph idx="1"/>
+          </p:nvPr>
+        </p:nvPicPr>
+        <p:blipFill>
+          <a:blip r:embed="rId1"/>
+          <a:stretch>
+            <a:fillRect/>
+          </a:stretch>
+        </p:blipFill>
+        <p:spPr>
+          <a:xfrm>
+            <a:off x="647700" y="1302385"/>
+            <a:ext cx="10834370" cy="788670"/>
+          </a:xfrm>
+          <a:prstGeom prst="rect">
+            <a:avLst/>
+          </a:prstGeom>
+        </p:spPr>
+      </p:pic>
+    </p:spTree>
+  </p:cSld>
+  <p:clrMapOvr>
+    <a:masterClrMapping/>
+  </p:clrMapOvr>
+</p:sld>
+</file>
+
+<file path=ppt/slides/slide15.xml><?xml version="1.0" encoding="utf-8"?>
+<p:sld xmlns:a="http://schemas.openxmlformats.org/drawingml/2006/main" xmlns:r="http://schemas.openxmlformats.org/officeDocument/2006/relationships" xmlns:p="http://schemas.openxmlformats.org/presentationml/2006/main">
+  <p:cSld>
+    <p:spTree>
+      <p:nvGrpSpPr>
+        <p:cNvPr id="1" name=""/>
+        <p:cNvGrpSpPr/>
+        <p:nvPr/>
+      </p:nvGrpSpPr>
+      <p:grpSpPr/>
+      <p:sp>
+        <p:nvSpPr>
+          <p:cNvPr id="2" name="Title 1"/>
+          <p:cNvSpPr>
+            <a:spLocks noGrp="true"/>
+          </p:cNvSpPr>
+          <p:nvPr>
+            <p:ph type="title"/>
+          </p:nvPr>
+        </p:nvSpPr>
+        <p:spPr/>
+        <p:txBody>
+          <a:bodyPr/>
+          <a:p>
+            <a:endParaRPr lang="en-US"/>
+          </a:p>
+        </p:txBody>
+      </p:sp>
+      <p:sp>
+        <p:nvSpPr>
+          <p:cNvPr id="3" name="Content Placeholder 2"/>
+          <p:cNvSpPr>
+            <a:spLocks noGrp="true"/>
+          </p:cNvSpPr>
+          <p:nvPr>
+            <p:ph idx="1"/>
+          </p:nvPr>
+        </p:nvSpPr>
+        <p:spPr/>
+        <p:txBody>
+          <a:bodyPr/>
+          <a:p>
+            <a:endParaRPr lang="en-US"/>
+          </a:p>
+        </p:txBody>
+      </p:sp>
+    </p:spTree>
+  </p:cSld>
+  <p:clrMapOvr>
+    <a:masterClrMapping/>
+  </p:clrMapOvr>
+</p:sld>
+</file>
+
 <file path=ppt/slides/slide2.xml><?xml version="1.0" encoding="utf-8"?>
 <p:sld xmlns:a="http://schemas.openxmlformats.org/drawingml/2006/main" xmlns:r="http://schemas.openxmlformats.org/officeDocument/2006/relationships" xmlns:p="http://schemas.openxmlformats.org/presentationml/2006/main">
   <p:cSld>
@@ -4211,6 +4630,76 @@
           <a:xfrm>
             <a:off x="647700" y="1440180"/>
             <a:ext cx="10961370" cy="925195"/>
+          </a:xfrm>
+          <a:prstGeom prst="rect">
+            <a:avLst/>
+          </a:prstGeom>
+        </p:spPr>
+      </p:pic>
+    </p:spTree>
+  </p:cSld>
+  <p:clrMapOvr>
+    <a:masterClrMapping/>
+  </p:clrMapOvr>
+</p:sld>
+</file>
+
+<file path=ppt/slides/slide9.xml><?xml version="1.0" encoding="utf-8"?>
+<p:sld xmlns:a="http://schemas.openxmlformats.org/drawingml/2006/main" xmlns:r="http://schemas.openxmlformats.org/officeDocument/2006/relationships" xmlns:p="http://schemas.openxmlformats.org/presentationml/2006/main">
+  <p:cSld>
+    <p:spTree>
+      <p:nvGrpSpPr>
+        <p:cNvPr id="1" name=""/>
+        <p:cNvGrpSpPr/>
+        <p:nvPr/>
+      </p:nvGrpSpPr>
+      <p:grpSpPr/>
+      <p:sp>
+        <p:nvSpPr>
+          <p:cNvPr id="2" name="Title 1"/>
+          <p:cNvSpPr>
+            <a:spLocks noGrp="true"/>
+          </p:cNvSpPr>
+          <p:nvPr>
+            <p:ph type="title"/>
+          </p:nvPr>
+        </p:nvSpPr>
+        <p:spPr/>
+        <p:txBody>
+          <a:bodyPr/>
+          <a:p>
+            <a:r>
+              <a:rPr lang="pt-PT" altLang="en-US" sz="3200" u="sng">
+                <a:effectLst/>
+              </a:rPr>
+              <a:t>Superficie de revolução</a:t>
+            </a:r>
+            <a:endParaRPr lang="pt-PT" altLang="en-US" sz="3200" u="sng">
+              <a:effectLst/>
+            </a:endParaRPr>
+          </a:p>
+        </p:txBody>
+      </p:sp>
+      <p:pic>
+        <p:nvPicPr>
+          <p:cNvPr id="4" name="Content Placeholder 3" descr="revol"/>
+          <p:cNvPicPr>
+            <a:picLocks noChangeAspect="true"/>
+          </p:cNvPicPr>
+          <p:nvPr>
+            <p:ph idx="1"/>
+          </p:nvPr>
+        </p:nvPicPr>
+        <p:blipFill>
+          <a:blip r:embed="rId1"/>
+          <a:stretch>
+            <a:fillRect/>
+          </a:stretch>
+        </p:blipFill>
+        <p:spPr>
+          <a:xfrm>
+            <a:off x="7376795" y="1584325"/>
+            <a:ext cx="4298950" cy="4415155"/>
           </a:xfrm>
           <a:prstGeom prst="rect">
             <a:avLst/>
